--- a/postmortem.pptx
+++ b/postmortem.pptx
@@ -108,6 +108,11 @@
       </a:defRPr>
     </a:lvl9pPr>
   </p:defaultTextStyle>
+  <p:extLst>
+    <p:ext uri="{EFAFB233-063F-42B5-8137-9DF3F51BA10A}">
+      <p15:sldGuideLst xmlns:p15="http://schemas.microsoft.com/office/powerpoint/2012/main"/>
+    </p:ext>
+  </p:extLst>
 </p:presentation>
 </file>
 
@@ -13272,7 +13277,56 @@
         </p:nvSpPr>
         <p:spPr>
           <a:xfrm>
-            <a:off x="3562894" y="2921168"/>
+            <a:off x="3443050" y="3013501"/>
+            <a:ext cx="5305898" cy="830997"/>
+          </a:xfrm>
+          <a:prstGeom prst="rect">
+            <a:avLst/>
+          </a:prstGeom>
+          <a:noFill/>
+        </p:spPr>
+        <p:txBody>
+          <a:bodyPr wrap="square" rtlCol="0">
+            <a:spAutoFit/>
+          </a:bodyPr>
+          <a:lstStyle/>
+          <a:p>
+            <a:pPr algn="ctr"/>
+            <a:r>
+              <a:rPr lang="en-US" altLang="zh-CN" sz="4800" b="1" dirty="0">
+                <a:solidFill>
+                  <a:schemeClr val="bg1"/>
+                </a:solidFill>
+                <a:latin typeface="Aharoni" panose="02010803020104030203" pitchFamily="2" charset="-79"/>
+                <a:cs typeface="Aharoni" panose="02010803020104030203" pitchFamily="2" charset="-79"/>
+              </a:rPr>
+              <a:t>POSTMORTEM</a:t>
+            </a:r>
+            <a:endParaRPr lang="zh-CN" altLang="en-US" sz="4800" b="1" dirty="0">
+              <a:solidFill>
+                <a:schemeClr val="bg1"/>
+              </a:solidFill>
+              <a:latin typeface="Aharoni" panose="02010803020104030203" pitchFamily="2" charset="-79"/>
+              <a:cs typeface="Aharoni" panose="02010803020104030203" pitchFamily="2" charset="-79"/>
+            </a:endParaRPr>
+          </a:p>
+        </p:txBody>
+      </p:sp>
+      <p:sp>
+        <p:nvSpPr>
+          <p:cNvPr id="3" name="文本框 4">
+            <a:extLst>
+              <a:ext uri="{FF2B5EF4-FFF2-40B4-BE49-F238E27FC236}">
+                <a16:creationId xmlns:a16="http://schemas.microsoft.com/office/drawing/2014/main" id="{3F5D47C6-9BA7-4DD0-A6FA-375360F40443}"/>
+              </a:ext>
+            </a:extLst>
+          </p:cNvPr>
+          <p:cNvSpPr txBox="1"/>
+          <p:nvPr/>
+        </p:nvSpPr>
+        <p:spPr>
+          <a:xfrm>
+            <a:off x="3562894" y="1724162"/>
             <a:ext cx="5066212" cy="1015663"/>
           </a:xfrm>
           <a:prstGeom prst="rect">
@@ -13286,6 +13340,7 @@
           </a:bodyPr>
           <a:lstStyle/>
           <a:p>
+            <a:pPr algn="ctr"/>
             <a:r>
               <a:rPr lang="en-US" altLang="zh-CN" sz="6000" b="1" dirty="0">
                 <a:solidFill>
@@ -13293,7 +13348,7 @@
                 </a:solidFill>
                 <a:latin typeface="Algerian" panose="04020705040A02060702" pitchFamily="82" charset="0"/>
               </a:rPr>
-              <a:t>POSTMORTEM</a:t>
+              <a:t>Cyber dash</a:t>
             </a:r>
             <a:endParaRPr lang="zh-CN" altLang="en-US" sz="6000" b="1" dirty="0">
               <a:solidFill>
@@ -13301,6 +13356,168 @@
               </a:solidFill>
               <a:latin typeface="Algerian" panose="04020705040A02060702" pitchFamily="82" charset="0"/>
             </a:endParaRPr>
+          </a:p>
+        </p:txBody>
+      </p:sp>
+      <p:sp>
+        <p:nvSpPr>
+          <p:cNvPr id="4" name="文本框 4">
+            <a:extLst>
+              <a:ext uri="{FF2B5EF4-FFF2-40B4-BE49-F238E27FC236}">
+                <a16:creationId xmlns:a16="http://schemas.microsoft.com/office/drawing/2014/main" id="{C80281E7-1484-4EB0-BB89-59A01E22029E}"/>
+              </a:ext>
+            </a:extLst>
+          </p:cNvPr>
+          <p:cNvSpPr txBox="1"/>
+          <p:nvPr/>
+        </p:nvSpPr>
+        <p:spPr>
+          <a:xfrm>
+            <a:off x="861391" y="4118174"/>
+            <a:ext cx="10469217" cy="461665"/>
+          </a:xfrm>
+          <a:prstGeom prst="rect">
+            <a:avLst/>
+          </a:prstGeom>
+          <a:noFill/>
+        </p:spPr>
+        <p:txBody>
+          <a:bodyPr wrap="square" rtlCol="0">
+            <a:spAutoFit/>
+          </a:bodyPr>
+          <a:lstStyle/>
+          <a:p>
+            <a:pPr algn="ctr"/>
+            <a:r>
+              <a:rPr lang="en-US" altLang="zh-CN" sz="2400" b="1" dirty="0">
+                <a:solidFill>
+                  <a:schemeClr val="bg1"/>
+                </a:solidFill>
+                <a:latin typeface="Aharoni" panose="02010803020104030203" pitchFamily="2" charset="-79"/>
+                <a:cs typeface="Aharoni" panose="02010803020104030203" pitchFamily="2" charset="-79"/>
+              </a:rPr>
+              <a:t>Naifu Cui, Joshua </a:t>
+            </a:r>
+            <a:r>
+              <a:rPr lang="en-US" altLang="zh-CN" sz="2400" b="1" dirty="0" err="1">
+                <a:solidFill>
+                  <a:schemeClr val="bg1"/>
+                </a:solidFill>
+                <a:latin typeface="Aharoni" panose="02010803020104030203" pitchFamily="2" charset="-79"/>
+                <a:cs typeface="Aharoni" panose="02010803020104030203" pitchFamily="2" charset="-79"/>
+              </a:rPr>
+              <a:t>Issac</a:t>
+            </a:r>
+            <a:r>
+              <a:rPr lang="en-US" altLang="zh-CN" sz="2400" b="1" dirty="0">
+                <a:solidFill>
+                  <a:schemeClr val="bg1"/>
+                </a:solidFill>
+                <a:latin typeface="Aharoni" panose="02010803020104030203" pitchFamily="2" charset="-79"/>
+                <a:cs typeface="Aharoni" panose="02010803020104030203" pitchFamily="2" charset="-79"/>
+              </a:rPr>
+              <a:t>, </a:t>
+            </a:r>
+            <a:r>
+              <a:rPr lang="en-US" altLang="zh-CN" sz="2400" b="1" dirty="0" err="1">
+                <a:solidFill>
+                  <a:schemeClr val="bg1"/>
+                </a:solidFill>
+                <a:latin typeface="Aharoni" panose="02010803020104030203" pitchFamily="2" charset="-79"/>
+                <a:cs typeface="Aharoni" panose="02010803020104030203" pitchFamily="2" charset="-79"/>
+              </a:rPr>
+              <a:t>Yuanchao</a:t>
+            </a:r>
+            <a:r>
+              <a:rPr lang="en-US" altLang="zh-CN" sz="2400" b="1" dirty="0">
+                <a:solidFill>
+                  <a:schemeClr val="bg1"/>
+                </a:solidFill>
+                <a:latin typeface="Aharoni" panose="02010803020104030203" pitchFamily="2" charset="-79"/>
+                <a:cs typeface="Aharoni" panose="02010803020104030203" pitchFamily="2" charset="-79"/>
+              </a:rPr>
+              <a:t> Liu,</a:t>
+            </a:r>
+            <a:r>
+              <a:rPr lang="zh-CN" altLang="en-US" sz="2400" b="1" dirty="0">
+                <a:solidFill>
+                  <a:schemeClr val="bg1"/>
+                </a:solidFill>
+                <a:latin typeface="Aharoni" panose="02010803020104030203" pitchFamily="2" charset="-79"/>
+                <a:cs typeface="Aharoni" panose="02010803020104030203" pitchFamily="2" charset="-79"/>
+              </a:rPr>
+              <a:t> </a:t>
+            </a:r>
+            <a:r>
+              <a:rPr lang="en-US" altLang="zh-CN" sz="2400" b="1" dirty="0">
+                <a:solidFill>
+                  <a:schemeClr val="bg1"/>
+                </a:solidFill>
+                <a:latin typeface="Aharoni" panose="02010803020104030203" pitchFamily="2" charset="-79"/>
+                <a:cs typeface="Aharoni" panose="02010803020104030203" pitchFamily="2" charset="-79"/>
+              </a:rPr>
+              <a:t>Elliot</a:t>
+            </a:r>
+            <a:r>
+              <a:rPr lang="zh-CN" altLang="en-US" sz="2400" b="1" dirty="0">
+                <a:solidFill>
+                  <a:schemeClr val="bg1"/>
+                </a:solidFill>
+                <a:latin typeface="Aharoni" panose="02010803020104030203" pitchFamily="2" charset="-79"/>
+                <a:cs typeface="Aharoni" panose="02010803020104030203" pitchFamily="2" charset="-79"/>
+              </a:rPr>
+              <a:t> </a:t>
+            </a:r>
+            <a:r>
+              <a:rPr lang="en-US" altLang="zh-CN" sz="2400" b="1" dirty="0">
+                <a:solidFill>
+                  <a:schemeClr val="bg1"/>
+                </a:solidFill>
+                <a:latin typeface="Aharoni" panose="02010803020104030203" pitchFamily="2" charset="-79"/>
+                <a:cs typeface="Aharoni" panose="02010803020104030203" pitchFamily="2" charset="-79"/>
+              </a:rPr>
+              <a:t>Privateer,</a:t>
+            </a:r>
+            <a:r>
+              <a:rPr lang="zh-CN" altLang="en-US" sz="2400" b="1" dirty="0">
+                <a:solidFill>
+                  <a:schemeClr val="bg1"/>
+                </a:solidFill>
+                <a:latin typeface="Aharoni" panose="02010803020104030203" pitchFamily="2" charset="-79"/>
+                <a:cs typeface="Aharoni" panose="02010803020104030203" pitchFamily="2" charset="-79"/>
+              </a:rPr>
+              <a:t> </a:t>
+            </a:r>
+            <a:r>
+              <a:rPr lang="en-US" altLang="zh-CN" sz="2400" b="1" dirty="0" err="1">
+                <a:solidFill>
+                  <a:schemeClr val="bg1"/>
+                </a:solidFill>
+                <a:latin typeface="Aharoni" panose="02010803020104030203" pitchFamily="2" charset="-79"/>
+                <a:cs typeface="Aharoni" panose="02010803020104030203" pitchFamily="2" charset="-79"/>
+              </a:rPr>
+              <a:t>Guangkun</a:t>
+            </a:r>
+            <a:r>
+              <a:rPr lang="zh-CN" altLang="en-US" sz="2400" b="1" dirty="0">
+                <a:solidFill>
+                  <a:schemeClr val="bg1"/>
+                </a:solidFill>
+                <a:latin typeface="Aharoni" panose="02010803020104030203" pitchFamily="2" charset="-79"/>
+                <a:cs typeface="Aharoni" panose="02010803020104030203" pitchFamily="2" charset="-79"/>
+              </a:rPr>
+              <a:t> </a:t>
+            </a:r>
+            <a:r>
+              <a:rPr lang="en-US" altLang="zh-CN" sz="2400" b="1" dirty="0">
+                <a:solidFill>
+                  <a:schemeClr val="bg1"/>
+                </a:solidFill>
+                <a:latin typeface="Aharoni" panose="02010803020104030203" pitchFamily="2" charset="-79"/>
+                <a:cs typeface="Aharoni" panose="02010803020104030203" pitchFamily="2" charset="-79"/>
+              </a:rPr>
+              <a:t>Zeng</a:t>
+            </a:r>
           </a:p>
         </p:txBody>
       </p:sp>
@@ -13539,7 +13756,7 @@
         <p:spPr>
           <a:xfrm>
             <a:off x="1116874" y="1166842"/>
-            <a:ext cx="9958251" cy="3539430"/>
+            <a:ext cx="9958251" cy="4524315"/>
           </a:xfrm>
           <a:prstGeom prst="rect">
             <a:avLst/>
@@ -13614,7 +13831,7 @@
                 <a:latin typeface="Aharoni" panose="02010803020104030203" pitchFamily="2" charset="-79"/>
                 <a:cs typeface="Aharoni" panose="02010803020104030203" pitchFamily="2" charset="-79"/>
               </a:rPr>
-              <a:t>Too hardcore</a:t>
+              <a:t>Software learning takes too much time</a:t>
             </a:r>
           </a:p>
           <a:p>
@@ -13645,6 +13862,32 @@
               </a:rPr>
               <a:t>Tutorial and feedback could be confusing</a:t>
             </a:r>
+          </a:p>
+          <a:p>
+            <a:pPr marL="457200" indent="-457200">
+              <a:buFont typeface="Arial" panose="020B0604020202020204" pitchFamily="34" charset="0"/>
+              <a:buChar char="•"/>
+            </a:pPr>
+            <a:endParaRPr lang="en-US" altLang="zh-CN" sz="3200" b="1" dirty="0">
+              <a:solidFill>
+                <a:schemeClr val="bg1"/>
+              </a:solidFill>
+              <a:latin typeface="Aharoni" panose="02010803020104030203" pitchFamily="2" charset="-79"/>
+              <a:cs typeface="Aharoni" panose="02010803020104030203" pitchFamily="2" charset="-79"/>
+            </a:endParaRPr>
+          </a:p>
+          <a:p>
+            <a:pPr marL="457200" indent="-457200">
+              <a:buFont typeface="Arial" panose="020B0604020202020204" pitchFamily="34" charset="0"/>
+              <a:buChar char="•"/>
+            </a:pPr>
+            <a:endParaRPr lang="en-US" altLang="zh-CN" sz="3200" b="1" dirty="0">
+              <a:solidFill>
+                <a:schemeClr val="bg1"/>
+              </a:solidFill>
+              <a:latin typeface="Aharoni" panose="02010803020104030203" pitchFamily="2" charset="-79"/>
+              <a:cs typeface="Aharoni" panose="02010803020104030203" pitchFamily="2" charset="-79"/>
+            </a:endParaRPr>
           </a:p>
         </p:txBody>
       </p:sp>
@@ -13768,7 +14011,7 @@
                 <a:latin typeface="Aharoni" panose="02010803020104030203" pitchFamily="2" charset="-79"/>
                 <a:cs typeface="Aharoni" panose="02010803020104030203" pitchFamily="2" charset="-79"/>
               </a:rPr>
-              <a:t>Contact more</a:t>
+              <a:t>No more misunderstanding</a:t>
             </a:r>
           </a:p>
           <a:p>
@@ -13899,7 +14142,7 @@
                 </a:solidFill>
                 <a:latin typeface="Algerian" panose="04020705040A02060702" pitchFamily="82" charset="0"/>
               </a:rPr>
-              <a:t>THANK YOU</a:t>
+              <a:t>Questions?</a:t>
             </a:r>
             <a:endParaRPr lang="zh-CN" altLang="en-US" sz="6000" b="1" dirty="0">
               <a:solidFill>

--- a/postmortem.pptx
+++ b/postmortem.pptx
@@ -13831,7 +13831,7 @@
                 <a:latin typeface="Aharoni" panose="02010803020104030203" pitchFamily="2" charset="-79"/>
                 <a:cs typeface="Aharoni" panose="02010803020104030203" pitchFamily="2" charset="-79"/>
               </a:rPr>
-              <a:t>Software learning takes too much time</a:t>
+              <a:t>Software learning</a:t>
             </a:r>
           </a:p>
           <a:p>

--- a/postmortem.pptx
+++ b/postmortem.pptx
@@ -13881,6 +13881,16 @@
               <a:buFont typeface="Arial" panose="020B0604020202020204" pitchFamily="34" charset="0"/>
               <a:buChar char="•"/>
             </a:pPr>
+            <a:r>
+              <a:rPr lang="en-US" altLang="zh-CN" sz="3200" b="1">
+                <a:solidFill>
+                  <a:schemeClr val="bg1"/>
+                </a:solidFill>
+                <a:latin typeface="Aharoni" panose="02010803020104030203" pitchFamily="2" charset="-79"/>
+                <a:cs typeface="Aharoni" panose="02010803020104030203" pitchFamily="2" charset="-79"/>
+              </a:rPr>
+              <a:t>Unexpected BUGS</a:t>
+            </a:r>
             <a:endParaRPr lang="en-US" altLang="zh-CN" sz="3200" b="1" dirty="0">
               <a:solidFill>
                 <a:schemeClr val="bg1"/>
